--- a/Lifesum_result_report.pptx
+++ b/Lifesum_result_report.pptx
@@ -108,6 +108,11 @@
       </a:defRPr>
     </a:lvl9pPr>
   </p:defaultTextStyle>
+  <p:extLst>
+    <p:ext uri="{EFAFB233-063F-42B5-8137-9DF3F51BA10A}">
+      <p15:sldGuideLst xmlns:p15="http://schemas.microsoft.com/office/powerpoint/2012/main"/>
+    </p:ext>
+  </p:extLst>
 </p:presentation>
 </file>
 
@@ -258,7 +263,7 @@
           <a:p>
             <a:fld id="{F1EA5413-5CE7-E14D-B9A4-AD1D65DEFFCD}" type="datetimeFigureOut">
               <a:rPr lang="fr-FR" smtClean="0"/>
-              <a:t>09/03/2018</a:t>
+              <a:t>13/03/2018</a:t>
             </a:fld>
             <a:endParaRPr lang="fr-FR"/>
           </a:p>
@@ -456,7 +461,7 @@
           <a:p>
             <a:fld id="{F1EA5413-5CE7-E14D-B9A4-AD1D65DEFFCD}" type="datetimeFigureOut">
               <a:rPr lang="fr-FR" smtClean="0"/>
-              <a:t>09/03/2018</a:t>
+              <a:t>13/03/2018</a:t>
             </a:fld>
             <a:endParaRPr lang="fr-FR"/>
           </a:p>
@@ -664,7 +669,7 @@
           <a:p>
             <a:fld id="{F1EA5413-5CE7-E14D-B9A4-AD1D65DEFFCD}" type="datetimeFigureOut">
               <a:rPr lang="fr-FR" smtClean="0"/>
-              <a:t>09/03/2018</a:t>
+              <a:t>13/03/2018</a:t>
             </a:fld>
             <a:endParaRPr lang="fr-FR"/>
           </a:p>
@@ -862,7 +867,7 @@
           <a:p>
             <a:fld id="{F1EA5413-5CE7-E14D-B9A4-AD1D65DEFFCD}" type="datetimeFigureOut">
               <a:rPr lang="fr-FR" smtClean="0"/>
-              <a:t>09/03/2018</a:t>
+              <a:t>13/03/2018</a:t>
             </a:fld>
             <a:endParaRPr lang="fr-FR"/>
           </a:p>
@@ -1137,7 +1142,7 @@
           <a:p>
             <a:fld id="{F1EA5413-5CE7-E14D-B9A4-AD1D65DEFFCD}" type="datetimeFigureOut">
               <a:rPr lang="fr-FR" smtClean="0"/>
-              <a:t>09/03/2018</a:t>
+              <a:t>13/03/2018</a:t>
             </a:fld>
             <a:endParaRPr lang="fr-FR"/>
           </a:p>
@@ -1402,7 +1407,7 @@
           <a:p>
             <a:fld id="{F1EA5413-5CE7-E14D-B9A4-AD1D65DEFFCD}" type="datetimeFigureOut">
               <a:rPr lang="fr-FR" smtClean="0"/>
-              <a:t>09/03/2018</a:t>
+              <a:t>13/03/2018</a:t>
             </a:fld>
             <a:endParaRPr lang="fr-FR"/>
           </a:p>
@@ -1814,7 +1819,7 @@
           <a:p>
             <a:fld id="{F1EA5413-5CE7-E14D-B9A4-AD1D65DEFFCD}" type="datetimeFigureOut">
               <a:rPr lang="fr-FR" smtClean="0"/>
-              <a:t>09/03/2018</a:t>
+              <a:t>13/03/2018</a:t>
             </a:fld>
             <a:endParaRPr lang="fr-FR"/>
           </a:p>
@@ -1955,7 +1960,7 @@
           <a:p>
             <a:fld id="{F1EA5413-5CE7-E14D-B9A4-AD1D65DEFFCD}" type="datetimeFigureOut">
               <a:rPr lang="fr-FR" smtClean="0"/>
-              <a:t>09/03/2018</a:t>
+              <a:t>13/03/2018</a:t>
             </a:fld>
             <a:endParaRPr lang="fr-FR"/>
           </a:p>
@@ -2068,7 +2073,7 @@
           <a:p>
             <a:fld id="{F1EA5413-5CE7-E14D-B9A4-AD1D65DEFFCD}" type="datetimeFigureOut">
               <a:rPr lang="fr-FR" smtClean="0"/>
-              <a:t>09/03/2018</a:t>
+              <a:t>13/03/2018</a:t>
             </a:fld>
             <a:endParaRPr lang="fr-FR"/>
           </a:p>
@@ -2379,7 +2384,7 @@
           <a:p>
             <a:fld id="{F1EA5413-5CE7-E14D-B9A4-AD1D65DEFFCD}" type="datetimeFigureOut">
               <a:rPr lang="fr-FR" smtClean="0"/>
-              <a:t>09/03/2018</a:t>
+              <a:t>13/03/2018</a:t>
             </a:fld>
             <a:endParaRPr lang="fr-FR"/>
           </a:p>
@@ -2667,7 +2672,7 @@
           <a:p>
             <a:fld id="{F1EA5413-5CE7-E14D-B9A4-AD1D65DEFFCD}" type="datetimeFigureOut">
               <a:rPr lang="fr-FR" smtClean="0"/>
-              <a:t>09/03/2018</a:t>
+              <a:t>13/03/2018</a:t>
             </a:fld>
             <a:endParaRPr lang="fr-FR"/>
           </a:p>
@@ -2908,7 +2913,7 @@
           <a:p>
             <a:fld id="{F1EA5413-5CE7-E14D-B9A4-AD1D65DEFFCD}" type="datetimeFigureOut">
               <a:rPr lang="fr-FR" smtClean="0"/>
-              <a:t>09/03/2018</a:t>
+              <a:t>13/03/2018</a:t>
             </a:fld>
             <a:endParaRPr lang="fr-FR"/>
           </a:p>
@@ -4021,6 +4026,52 @@
               <a:t>?</a:t>
             </a:r>
           </a:p>
+          <a:p>
+            <a:r>
+              <a:rPr lang="fr-FR" dirty="0"/>
+              <a:t>How </a:t>
+            </a:r>
+            <a:r>
+              <a:rPr lang="fr-FR" dirty="0" err="1"/>
+              <a:t>does</a:t>
+            </a:r>
+            <a:r>
+              <a:rPr lang="fr-FR" dirty="0"/>
+              <a:t> </a:t>
+            </a:r>
+            <a:r>
+              <a:rPr lang="fr-FR" dirty="0" err="1"/>
+              <a:t>tracking</a:t>
+            </a:r>
+            <a:r>
+              <a:rPr lang="fr-FR" dirty="0"/>
+              <a:t> </a:t>
+            </a:r>
+            <a:r>
+              <a:rPr lang="fr-FR" dirty="0" err="1"/>
+              <a:t>food</a:t>
+            </a:r>
+            <a:r>
+              <a:rPr lang="fr-FR" dirty="0"/>
+              <a:t> lead to </a:t>
+            </a:r>
+            <a:r>
+              <a:rPr lang="fr-FR" dirty="0" err="1"/>
+              <a:t>reach</a:t>
+            </a:r>
+            <a:r>
+              <a:rPr lang="fr-FR" dirty="0"/>
+              <a:t> the goal </a:t>
+            </a:r>
+            <a:r>
+              <a:rPr lang="fr-FR" dirty="0" err="1"/>
+              <a:t>weight</a:t>
+            </a:r>
+            <a:r>
+              <a:rPr lang="fr-FR"/>
+              <a:t> ? </a:t>
+            </a:r>
+          </a:p>
         </p:txBody>
       </p:sp>
     </p:spTree>
